--- a/p0-uni/Power point/stefan.pptx
+++ b/p0-uni/Power point/stefan.pptx
@@ -8,8 +8,7 @@
     <p:sldId id="257" r:id="rId2"/>
     <p:sldId id="259" r:id="rId3"/>
     <p:sldId id="258" r:id="rId4"/>
-    <p:sldId id="261" r:id="rId5"/>
-    <p:sldId id="262" r:id="rId6"/>
+    <p:sldId id="262" r:id="rId5"/>
   </p:sldIdLst>
   <p:sldSz cx="9144000" cy="6858000" type="screen4x3"/>
   <p:notesSz cx="6858000" cy="9144000"/>
@@ -292,6 +291,7 @@
           <a:p>
             <a:fld id="{53B6368B-BEFE-43CE-8A73-4A5AAC83D948}" type="datetimeFigureOut">
               <a:rPr lang="da-DK" smtClean="0"/>
+              <a:pPr/>
               <a:t>28-09-2011</a:t>
             </a:fld>
             <a:endParaRPr lang="da-DK"/>
@@ -334,6 +334,7 @@
           <a:p>
             <a:fld id="{6553FD1F-71B8-4D0E-90AC-019337921E5E}" type="slidenum">
               <a:rPr lang="da-DK" smtClean="0"/>
+              <a:pPr/>
               <a:t>‹nr.›</a:t>
             </a:fld>
             <a:endParaRPr lang="da-DK"/>
@@ -457,6 +458,7 @@
           <a:p>
             <a:fld id="{53B6368B-BEFE-43CE-8A73-4A5AAC83D948}" type="datetimeFigureOut">
               <a:rPr lang="da-DK" smtClean="0"/>
+              <a:pPr/>
               <a:t>28-09-2011</a:t>
             </a:fld>
             <a:endParaRPr lang="da-DK"/>
@@ -499,6 +501,7 @@
           <a:p>
             <a:fld id="{6553FD1F-71B8-4D0E-90AC-019337921E5E}" type="slidenum">
               <a:rPr lang="da-DK" smtClean="0"/>
+              <a:pPr/>
               <a:t>‹nr.›</a:t>
             </a:fld>
             <a:endParaRPr lang="da-DK"/>
@@ -632,6 +635,7 @@
           <a:p>
             <a:fld id="{53B6368B-BEFE-43CE-8A73-4A5AAC83D948}" type="datetimeFigureOut">
               <a:rPr lang="da-DK" smtClean="0"/>
+              <a:pPr/>
               <a:t>28-09-2011</a:t>
             </a:fld>
             <a:endParaRPr lang="da-DK"/>
@@ -674,6 +678,7 @@
           <a:p>
             <a:fld id="{6553FD1F-71B8-4D0E-90AC-019337921E5E}" type="slidenum">
               <a:rPr lang="da-DK" smtClean="0"/>
+              <a:pPr/>
               <a:t>‹nr.›</a:t>
             </a:fld>
             <a:endParaRPr lang="da-DK"/>
@@ -797,6 +802,7 @@
           <a:p>
             <a:fld id="{53B6368B-BEFE-43CE-8A73-4A5AAC83D948}" type="datetimeFigureOut">
               <a:rPr lang="da-DK" smtClean="0"/>
+              <a:pPr/>
               <a:t>28-09-2011</a:t>
             </a:fld>
             <a:endParaRPr lang="da-DK"/>
@@ -839,6 +845,7 @@
           <a:p>
             <a:fld id="{6553FD1F-71B8-4D0E-90AC-019337921E5E}" type="slidenum">
               <a:rPr lang="da-DK" smtClean="0"/>
+              <a:pPr/>
               <a:t>‹nr.›</a:t>
             </a:fld>
             <a:endParaRPr lang="da-DK"/>
@@ -1038,6 +1045,7 @@
           <a:p>
             <a:fld id="{53B6368B-BEFE-43CE-8A73-4A5AAC83D948}" type="datetimeFigureOut">
               <a:rPr lang="da-DK" smtClean="0"/>
+              <a:pPr/>
               <a:t>28-09-2011</a:t>
             </a:fld>
             <a:endParaRPr lang="da-DK"/>
@@ -1080,6 +1088,7 @@
           <a:p>
             <a:fld id="{6553FD1F-71B8-4D0E-90AC-019337921E5E}" type="slidenum">
               <a:rPr lang="da-DK" smtClean="0"/>
+              <a:pPr/>
               <a:t>‹nr.›</a:t>
             </a:fld>
             <a:endParaRPr lang="da-DK"/>
@@ -1321,6 +1330,7 @@
           <a:p>
             <a:fld id="{53B6368B-BEFE-43CE-8A73-4A5AAC83D948}" type="datetimeFigureOut">
               <a:rPr lang="da-DK" smtClean="0"/>
+              <a:pPr/>
               <a:t>28-09-2011</a:t>
             </a:fld>
             <a:endParaRPr lang="da-DK"/>
@@ -1363,6 +1373,7 @@
           <a:p>
             <a:fld id="{6553FD1F-71B8-4D0E-90AC-019337921E5E}" type="slidenum">
               <a:rPr lang="da-DK" smtClean="0"/>
+              <a:pPr/>
               <a:t>‹nr.›</a:t>
             </a:fld>
             <a:endParaRPr lang="da-DK"/>
@@ -1738,6 +1749,7 @@
           <a:p>
             <a:fld id="{53B6368B-BEFE-43CE-8A73-4A5AAC83D948}" type="datetimeFigureOut">
               <a:rPr lang="da-DK" smtClean="0"/>
+              <a:pPr/>
               <a:t>28-09-2011</a:t>
             </a:fld>
             <a:endParaRPr lang="da-DK"/>
@@ -1780,6 +1792,7 @@
           <a:p>
             <a:fld id="{6553FD1F-71B8-4D0E-90AC-019337921E5E}" type="slidenum">
               <a:rPr lang="da-DK" smtClean="0"/>
+              <a:pPr/>
               <a:t>‹nr.›</a:t>
             </a:fld>
             <a:endParaRPr lang="da-DK"/>
@@ -1851,6 +1864,7 @@
           <a:p>
             <a:fld id="{53B6368B-BEFE-43CE-8A73-4A5AAC83D948}" type="datetimeFigureOut">
               <a:rPr lang="da-DK" smtClean="0"/>
+              <a:pPr/>
               <a:t>28-09-2011</a:t>
             </a:fld>
             <a:endParaRPr lang="da-DK"/>
@@ -1893,6 +1907,7 @@
           <a:p>
             <a:fld id="{6553FD1F-71B8-4D0E-90AC-019337921E5E}" type="slidenum">
               <a:rPr lang="da-DK" smtClean="0"/>
+              <a:pPr/>
               <a:t>‹nr.›</a:t>
             </a:fld>
             <a:endParaRPr lang="da-DK"/>
@@ -1941,6 +1956,7 @@
           <a:p>
             <a:fld id="{53B6368B-BEFE-43CE-8A73-4A5AAC83D948}" type="datetimeFigureOut">
               <a:rPr lang="da-DK" smtClean="0"/>
+              <a:pPr/>
               <a:t>28-09-2011</a:t>
             </a:fld>
             <a:endParaRPr lang="da-DK"/>
@@ -1983,6 +1999,7 @@
           <a:p>
             <a:fld id="{6553FD1F-71B8-4D0E-90AC-019337921E5E}" type="slidenum">
               <a:rPr lang="da-DK" smtClean="0"/>
+              <a:pPr/>
               <a:t>‹nr.›</a:t>
             </a:fld>
             <a:endParaRPr lang="da-DK"/>
@@ -2213,6 +2230,7 @@
           <a:p>
             <a:fld id="{53B6368B-BEFE-43CE-8A73-4A5AAC83D948}" type="datetimeFigureOut">
               <a:rPr lang="da-DK" smtClean="0"/>
+              <a:pPr/>
               <a:t>28-09-2011</a:t>
             </a:fld>
             <a:endParaRPr lang="da-DK"/>
@@ -2255,6 +2273,7 @@
           <a:p>
             <a:fld id="{6553FD1F-71B8-4D0E-90AC-019337921E5E}" type="slidenum">
               <a:rPr lang="da-DK" smtClean="0"/>
+              <a:pPr/>
               <a:t>‹nr.›</a:t>
             </a:fld>
             <a:endParaRPr lang="da-DK"/>
@@ -2461,6 +2480,7 @@
           <a:p>
             <a:fld id="{53B6368B-BEFE-43CE-8A73-4A5AAC83D948}" type="datetimeFigureOut">
               <a:rPr lang="da-DK" smtClean="0"/>
+              <a:pPr/>
               <a:t>28-09-2011</a:t>
             </a:fld>
             <a:endParaRPr lang="da-DK"/>
@@ -2503,6 +2523,7 @@
           <a:p>
             <a:fld id="{6553FD1F-71B8-4D0E-90AC-019337921E5E}" type="slidenum">
               <a:rPr lang="da-DK" smtClean="0"/>
+              <a:pPr/>
               <a:t>‹nr.›</a:t>
             </a:fld>
             <a:endParaRPr lang="da-DK"/>
@@ -2669,6 +2690,7 @@
           <a:p>
             <a:fld id="{53B6368B-BEFE-43CE-8A73-4A5AAC83D948}" type="datetimeFigureOut">
               <a:rPr lang="da-DK" smtClean="0"/>
+              <a:pPr/>
               <a:t>28-09-2011</a:t>
             </a:fld>
             <a:endParaRPr lang="da-DK"/>
@@ -2747,6 +2769,7 @@
           <a:p>
             <a:fld id="{6553FD1F-71B8-4D0E-90AC-019337921E5E}" type="slidenum">
               <a:rPr lang="da-DK" smtClean="0"/>
+              <a:pPr/>
               <a:t>‹nr.›</a:t>
             </a:fld>
             <a:endParaRPr lang="da-DK"/>
@@ -3080,13 +3103,17 @@
         </p:spPr>
         <p:txBody>
           <a:bodyPr>
-            <a:normAutofit lnSpcReduction="10000"/>
+            <a:normAutofit/>
           </a:bodyPr>
           <a:lstStyle/>
           <a:p>
             <a:r>
+              <a:rPr lang="en-US" dirty="0" smtClean="0"/>
+              <a:t>IMEI </a:t>
+            </a:r>
+            <a:r>
               <a:rPr lang="en-US" dirty="0"/>
-              <a:t>We can conclude that IMEI and IMSI numbers can be obtained by Android apps</a:t>
+              <a:t>and IMSI numbers can be obtained by Android apps</a:t>
             </a:r>
             <a:r>
               <a:rPr lang="en-US" dirty="0" smtClean="0"/>
@@ -3096,22 +3123,21 @@
           <a:p>
             <a:r>
               <a:rPr lang="en-US" dirty="0" smtClean="0"/>
-              <a:t>The IMEI number is a great way to uniquely identify the </a:t>
+              <a:t>IMEI </a:t>
             </a:r>
             <a:r>
               <a:rPr lang="en-US" dirty="0" smtClean="0"/>
-              <a:t>phone</a:t>
-            </a:r>
+              <a:t>number is a great way to uniquely identify the phone.</a:t>
+            </a:r>
+          </a:p>
+          <a:p>
             <a:r>
               <a:rPr lang="en-US" dirty="0" smtClean="0"/>
-              <a:t>.</a:t>
-            </a:r>
-            <a:endParaRPr lang="en-US" dirty="0" smtClean="0"/>
-          </a:p>
-          <a:p>
+              <a:t>These </a:t>
+            </a:r>
             <a:r>
               <a:rPr lang="en-US" dirty="0" smtClean="0"/>
-              <a:t>But these numbers </a:t>
+              <a:t>numbers </a:t>
             </a:r>
             <a:r>
               <a:rPr lang="en-US" dirty="0"/>
@@ -3119,28 +3145,31 @@
             </a:r>
             <a:r>
               <a:rPr lang="en-US" dirty="0" smtClean="0"/>
-              <a:t>also be </a:t>
+              <a:t>be </a:t>
             </a:r>
             <a:r>
               <a:rPr lang="en-US" dirty="0"/>
-              <a:t>sent to a third part, and can be used to criminal offences</a:t>
+              <a:t>sent to a third </a:t>
             </a:r>
             <a:r>
               <a:rPr lang="en-US" dirty="0" smtClean="0"/>
-              <a:t>.</a:t>
-            </a:r>
-          </a:p>
-          <a:p>
+              <a:t>part.</a:t>
+            </a:r>
+            <a:endParaRPr lang="en-US" dirty="0" smtClean="0"/>
+          </a:p>
+          <a:p>
+            <a:r>
+              <a:rPr lang="en-US" dirty="0" smtClean="0"/>
+              <a:t>It </a:t>
+            </a:r>
             <a:r>
               <a:rPr lang="en-US" dirty="0"/>
-              <a:t>It is possible to copy the identity of a phone, by making a copy of the phone with the same IMEI and IMSI number</a:t>
+              <a:t>is possible to copy the identity of a </a:t>
             </a:r>
             <a:r>
               <a:rPr lang="en-US" dirty="0" smtClean="0"/>
-              <a:t>.</a:t>
-            </a:r>
-          </a:p>
-          <a:p>
+              <a:t>phone.</a:t>
+            </a:r>
             <a:endParaRPr lang="en-US" dirty="0" smtClean="0"/>
           </a:p>
         </p:txBody>
@@ -3212,26 +3241,36 @@
           <a:p>
             <a:r>
               <a:rPr lang="en-US" dirty="0" smtClean="0"/>
-              <a:t>We can also conclude that surveillance through the IMEI number is possible. </a:t>
-            </a:r>
-          </a:p>
-          <a:p>
-            <a:pPr>
-              <a:buNone/>
-            </a:pPr>
-            <a:endParaRPr lang="en-US" dirty="0"/>
+              <a:t>Surveillance through the IMEI number is possible. </a:t>
+            </a:r>
+            <a:endParaRPr lang="en-US" dirty="0" smtClean="0"/>
+          </a:p>
+          <a:p>
+            <a:endParaRPr lang="en-US" dirty="0" smtClean="0"/>
           </a:p>
           <a:p>
             <a:r>
               <a:rPr lang="en-US" dirty="0" smtClean="0"/>
-              <a:t>We still have to find a reason for the IMEI and IMSI numbers not to be encrypted.</a:t>
+              <a:t>We </a:t>
+            </a:r>
+            <a:r>
+              <a:rPr lang="en-US" dirty="0" smtClean="0"/>
+              <a:t>still have to find a reason for the IMEI and IMSI numbers not to be encrypted.</a:t>
             </a:r>
             <a:endParaRPr lang="da-DK" dirty="0" smtClean="0"/>
           </a:p>
           <a:p>
             <a:r>
               <a:rPr lang="en-US" dirty="0"/>
-              <a:t>Google needs to address this and find a solution</a:t>
+              <a:t>Google needs </a:t>
+            </a:r>
+            <a:r>
+              <a:rPr lang="en-US" dirty="0" smtClean="0"/>
+              <a:t>find </a:t>
+            </a:r>
+            <a:r>
+              <a:rPr lang="en-US" dirty="0"/>
+              <a:t>a solution</a:t>
             </a:r>
             <a:endParaRPr lang="da-DK" dirty="0"/>
           </a:p>
@@ -3298,21 +3337,17 @@
         <p:spPr/>
         <p:txBody>
           <a:bodyPr>
-            <a:normAutofit lnSpcReduction="10000"/>
+            <a:normAutofit/>
           </a:bodyPr>
           <a:lstStyle/>
           <a:p>
             <a:r>
               <a:rPr lang="en-US" dirty="0" smtClean="0"/>
-              <a:t>First we </a:t>
-            </a:r>
-            <a:r>
-              <a:rPr lang="en-US" dirty="0"/>
-              <a:t>started talking about the subjects we got handed, and then </a:t>
+              <a:t>Discussed and </a:t>
             </a:r>
             <a:r>
               <a:rPr lang="en-US" dirty="0" smtClean="0"/>
-              <a:t>chose </a:t>
+              <a:t>choose </a:t>
             </a:r>
             <a:r>
               <a:rPr lang="en-US" dirty="0"/>
@@ -3326,11 +3361,11 @@
           <a:p>
             <a:r>
               <a:rPr lang="en-US" dirty="0" smtClean="0"/>
-              <a:t>We </a:t>
+              <a:t>Researching </a:t>
             </a:r>
             <a:r>
               <a:rPr lang="en-US" dirty="0"/>
-              <a:t>started researching for good/reliable </a:t>
+              <a:t>for good/reliable </a:t>
             </a:r>
             <a:r>
               <a:rPr lang="en-US" dirty="0" smtClean="0"/>
@@ -3340,16 +3375,39 @@
           <a:p>
             <a:r>
               <a:rPr lang="en-US" dirty="0" smtClean="0"/>
-              <a:t>We decided specific parts which each other should write.</a:t>
-            </a:r>
+              <a:t>Divided parts which each other should write.</a:t>
+            </a:r>
+            <a:endParaRPr lang="en-US" dirty="0" smtClean="0"/>
           </a:p>
           <a:p>
             <a:r>
               <a:rPr lang="en-US" dirty="0" smtClean="0"/>
-              <a:t>And along the way we looked at each other’s work and made corrections to streamline the work.</a:t>
-            </a:r>
-          </a:p>
-          <a:p>
+              <a:t>C</a:t>
+            </a:r>
+            <a:r>
+              <a:rPr lang="en-US" dirty="0" smtClean="0"/>
+              <a:t>orrections </a:t>
+            </a:r>
+            <a:r>
+              <a:rPr lang="en-US" dirty="0" smtClean="0"/>
+              <a:t>to streamline the work.</a:t>
+            </a:r>
+          </a:p>
+          <a:p>
+            <a:r>
+              <a:rPr lang="en-US" dirty="0" smtClean="0"/>
+              <a:t>We stayed </a:t>
+            </a:r>
+            <a:r>
+              <a:rPr lang="en-US" dirty="0" smtClean="0"/>
+              <a:t>within our working schedule, and kept our promises.</a:t>
+            </a:r>
+          </a:p>
+          <a:p>
+            <a:r>
+              <a:rPr lang="en-US" dirty="0" smtClean="0"/>
+              <a:t>Our supervisor was a big help</a:t>
+            </a:r>
             <a:endParaRPr lang="en-US" dirty="0" smtClean="0"/>
           </a:p>
         </p:txBody>
@@ -3392,114 +3450,6 @@
         <p:spPr/>
         <p:txBody>
           <a:bodyPr>
-            <a:normAutofit fontScale="90000"/>
-          </a:bodyPr>
-          <a:lstStyle/>
-          <a:p>
-            <a:r>
-              <a:rPr lang="en-US" dirty="0" smtClean="0"/>
-              <a:t>Process analysis - </a:t>
-            </a:r>
-            <a:r>
-              <a:rPr lang="en-US" dirty="0"/>
-              <a:t>working processes</a:t>
-            </a:r>
-            <a:endParaRPr lang="da-DK" dirty="0"/>
-          </a:p>
-        </p:txBody>
-      </p:sp>
-      <p:sp>
-        <p:nvSpPr>
-          <p:cNvPr id="3" name="Pladsholder til indhold 2"/>
-          <p:cNvSpPr>
-            <a:spLocks noGrp="1"/>
-          </p:cNvSpPr>
-          <p:nvPr>
-            <p:ph idx="1"/>
-          </p:nvPr>
-        </p:nvSpPr>
-        <p:spPr/>
-        <p:txBody>
-          <a:bodyPr>
-            <a:normAutofit/>
-          </a:bodyPr>
-          <a:lstStyle/>
-          <a:p>
-            <a:r>
-              <a:rPr lang="en-US" dirty="0"/>
-              <a:t>We each more or less stayed within our working schedule, and kept our </a:t>
-            </a:r>
-            <a:r>
-              <a:rPr lang="en-US" dirty="0" smtClean="0"/>
-              <a:t>promises.</a:t>
-            </a:r>
-          </a:p>
-          <a:p>
-            <a:endParaRPr lang="en-US" dirty="0" smtClean="0"/>
-          </a:p>
-          <a:p>
-            <a:r>
-              <a:rPr lang="en-US" dirty="0"/>
-              <a:t>Our supervisor was a big help in structuring our report</a:t>
-            </a:r>
-            <a:r>
-              <a:rPr lang="en-US" dirty="0" smtClean="0"/>
-              <a:t>. </a:t>
-            </a:r>
-            <a:r>
-              <a:rPr lang="en-US" dirty="0"/>
-              <a:t>He gave us </a:t>
-            </a:r>
-            <a:r>
-              <a:rPr lang="en-US" dirty="0" smtClean="0"/>
-              <a:t>great feedback</a:t>
-            </a:r>
-            <a:r>
-              <a:rPr lang="en-US" dirty="0"/>
-              <a:t>, which we could use to make our report better.</a:t>
-            </a:r>
-            <a:endParaRPr lang="da-DK" dirty="0"/>
-          </a:p>
-        </p:txBody>
-      </p:sp>
-    </p:spTree>
-  </p:cSld>
-  <p:clrMapOvr>
-    <a:masterClrMapping/>
-  </p:clrMapOvr>
-</p:sld>
-</file>
-
-<file path=ppt/slides/slide5.xml><?xml version="1.0" encoding="utf-8"?>
-<p:sld xmlns:a="http://schemas.openxmlformats.org/drawingml/2006/main" xmlns:r="http://schemas.openxmlformats.org/officeDocument/2006/relationships" xmlns:p="http://schemas.openxmlformats.org/presentationml/2006/main">
-  <p:cSld>
-    <p:spTree>
-      <p:nvGrpSpPr>
-        <p:cNvPr id="1" name=""/>
-        <p:cNvGrpSpPr/>
-        <p:nvPr/>
-      </p:nvGrpSpPr>
-      <p:grpSpPr>
-        <a:xfrm>
-          <a:off x="0" y="0"/>
-          <a:ext cx="0" cy="0"/>
-          <a:chOff x="0" y="0"/>
-          <a:chExt cx="0" cy="0"/>
-        </a:xfrm>
-      </p:grpSpPr>
-      <p:sp>
-        <p:nvSpPr>
-          <p:cNvPr id="2" name="Titel 1"/>
-          <p:cNvSpPr>
-            <a:spLocks noGrp="1"/>
-          </p:cNvSpPr>
-          <p:nvPr>
-            <p:ph type="title"/>
-          </p:nvPr>
-        </p:nvSpPr>
-        <p:spPr/>
-        <p:txBody>
-          <a:bodyPr>
             <a:normAutofit/>
           </a:bodyPr>
           <a:lstStyle/>
@@ -3524,7 +3474,7 @@
         </p:nvGraphicFramePr>
         <p:xfrm>
           <a:off x="457200" y="1600200"/>
-          <a:ext cx="8229600" cy="3913886"/>
+          <a:ext cx="8229600" cy="3932428"/>
         </p:xfrm>
         <a:graphic>
           <a:graphicData uri="http://schemas.openxmlformats.org/drawingml/2006/table">
